--- a/CSI3010 Data Warehousing Data Mining/reference materials/module-5 cluster analysis and outlier analysis/19_DBScan Clustering.pptx
+++ b/CSI3010 Data Warehousing Data Mining/reference materials/module-5 cluster analysis and outlier analysis/19_DBScan Clustering.pptx
@@ -224,7 +224,7 @@
           <a:p>
             <a:fld id="{AA4BDA8C-820C-459C-9AC3-513B5DFE5A4F}" type="datetimeFigureOut">
               <a:rPr lang="en-IN" smtClean="0"/>
-              <a:t>08-03-2022</a:t>
+              <a:t>03/04/22</a:t>
             </a:fld>
             <a:endParaRPr lang="en-IN"/>
           </a:p>
@@ -288,35 +288,35 @@
           <a:p>
             <a:pPr lvl="0"/>
             <a:r>
-              <a:rPr lang="en-US" smtClean="0"/>
+              <a:rPr lang="en-US"/>
               <a:t>Click to edit Master text styles</a:t>
             </a:r>
           </a:p>
           <a:p>
             <a:pPr lvl="1"/>
             <a:r>
-              <a:rPr lang="en-US" smtClean="0"/>
+              <a:rPr lang="en-US"/>
               <a:t>Second level</a:t>
             </a:r>
           </a:p>
           <a:p>
             <a:pPr lvl="2"/>
             <a:r>
-              <a:rPr lang="en-US" smtClean="0"/>
+              <a:rPr lang="en-US"/>
               <a:t>Third level</a:t>
             </a:r>
           </a:p>
           <a:p>
             <a:pPr lvl="3"/>
             <a:r>
-              <a:rPr lang="en-US" smtClean="0"/>
+              <a:rPr lang="en-US"/>
               <a:t>Fourth level</a:t>
             </a:r>
           </a:p>
           <a:p>
             <a:pPr lvl="4"/>
             <a:r>
-              <a:rPr lang="en-US" smtClean="0"/>
+              <a:rPr lang="en-US"/>
               <a:t>Fifth level</a:t>
             </a:r>
             <a:endParaRPr lang="en-IN"/>
@@ -530,10 +530,9 @@
           <a:lstStyle/>
           <a:p>
             <a:r>
-              <a:rPr lang="en-US" smtClean="0"/>
+              <a:rPr lang="en-US"/>
               <a:t>Click to edit Master title style</a:t>
             </a:r>
-            <a:endParaRPr lang="en-US"/>
           </a:p>
         </p:txBody>
       </p:sp>
@@ -649,10 +648,9 @@
           </a:lstStyle>
           <a:p>
             <a:r>
-              <a:rPr lang="en-US" smtClean="0"/>
+              <a:rPr lang="en-US"/>
               <a:t>Click to edit Master subtitle style</a:t>
             </a:r>
-            <a:endParaRPr lang="en-US"/>
           </a:p>
         </p:txBody>
       </p:sp>
@@ -680,7 +678,7 @@
                 </a:solidFill>
               </a:rPr>
               <a:pPr/>
-              <a:t>3/8/2022</a:t>
+              <a:t>4/3/22</a:t>
             </a:fld>
             <a:endParaRPr lang="en-US">
               <a:solidFill>
@@ -799,10 +797,9 @@
           <a:lstStyle/>
           <a:p>
             <a:r>
-              <a:rPr lang="en-US" smtClean="0"/>
+              <a:rPr lang="en-US"/>
               <a:t>Click to edit Master title style</a:t>
             </a:r>
-            <a:endParaRPr lang="en-US"/>
           </a:p>
         </p:txBody>
       </p:sp>
@@ -823,38 +820,37 @@
           <a:p>
             <a:pPr lvl="0"/>
             <a:r>
-              <a:rPr lang="en-US" smtClean="0"/>
+              <a:rPr lang="en-US"/>
               <a:t>Click to edit Master text styles</a:t>
             </a:r>
           </a:p>
           <a:p>
             <a:pPr lvl="1"/>
             <a:r>
-              <a:rPr lang="en-US" smtClean="0"/>
+              <a:rPr lang="en-US"/>
               <a:t>Second level</a:t>
             </a:r>
           </a:p>
           <a:p>
             <a:pPr lvl="2"/>
             <a:r>
-              <a:rPr lang="en-US" smtClean="0"/>
+              <a:rPr lang="en-US"/>
               <a:t>Third level</a:t>
             </a:r>
           </a:p>
           <a:p>
             <a:pPr lvl="3"/>
             <a:r>
-              <a:rPr lang="en-US" smtClean="0"/>
+              <a:rPr lang="en-US"/>
               <a:t>Fourth level</a:t>
             </a:r>
           </a:p>
           <a:p>
             <a:pPr lvl="4"/>
             <a:r>
-              <a:rPr lang="en-US" smtClean="0"/>
+              <a:rPr lang="en-US"/>
               <a:t>Fifth level</a:t>
             </a:r>
-            <a:endParaRPr lang="en-US"/>
           </a:p>
         </p:txBody>
       </p:sp>
@@ -882,7 +878,7 @@
                 </a:solidFill>
               </a:rPr>
               <a:pPr/>
-              <a:t>3/8/2022</a:t>
+              <a:t>4/3/22</a:t>
             </a:fld>
             <a:endParaRPr lang="en-US">
               <a:solidFill>
@@ -1006,10 +1002,9 @@
           <a:lstStyle/>
           <a:p>
             <a:r>
-              <a:rPr lang="en-US" smtClean="0"/>
+              <a:rPr lang="en-US"/>
               <a:t>Click to edit Master title style</a:t>
             </a:r>
-            <a:endParaRPr lang="en-US"/>
           </a:p>
         </p:txBody>
       </p:sp>
@@ -1035,38 +1030,37 @@
           <a:p>
             <a:pPr lvl="0"/>
             <a:r>
-              <a:rPr lang="en-US" smtClean="0"/>
+              <a:rPr lang="en-US"/>
               <a:t>Click to edit Master text styles</a:t>
             </a:r>
           </a:p>
           <a:p>
             <a:pPr lvl="1"/>
             <a:r>
-              <a:rPr lang="en-US" smtClean="0"/>
+              <a:rPr lang="en-US"/>
               <a:t>Second level</a:t>
             </a:r>
           </a:p>
           <a:p>
             <a:pPr lvl="2"/>
             <a:r>
-              <a:rPr lang="en-US" smtClean="0"/>
+              <a:rPr lang="en-US"/>
               <a:t>Third level</a:t>
             </a:r>
           </a:p>
           <a:p>
             <a:pPr lvl="3"/>
             <a:r>
-              <a:rPr lang="en-US" smtClean="0"/>
+              <a:rPr lang="en-US"/>
               <a:t>Fourth level</a:t>
             </a:r>
           </a:p>
           <a:p>
             <a:pPr lvl="4"/>
             <a:r>
-              <a:rPr lang="en-US" smtClean="0"/>
+              <a:rPr lang="en-US"/>
               <a:t>Fifth level</a:t>
             </a:r>
-            <a:endParaRPr lang="en-US"/>
           </a:p>
         </p:txBody>
       </p:sp>
@@ -1094,7 +1088,7 @@
                 </a:solidFill>
               </a:rPr>
               <a:pPr/>
-              <a:t>3/8/2022</a:t>
+              <a:t>4/3/22</a:t>
             </a:fld>
             <a:endParaRPr lang="en-US">
               <a:solidFill>
@@ -1218,10 +1212,9 @@
           <a:lstStyle/>
           <a:p>
             <a:r>
-              <a:rPr lang="en-US" smtClean="0"/>
+              <a:rPr lang="en-US"/>
               <a:t>Click to edit Master title style</a:t>
             </a:r>
-            <a:endParaRPr lang="en-US"/>
           </a:p>
         </p:txBody>
       </p:sp>
@@ -1272,38 +1265,37 @@
           <a:p>
             <a:pPr lvl="0"/>
             <a:r>
-              <a:rPr lang="en-US" smtClean="0"/>
+              <a:rPr lang="en-US"/>
               <a:t>Click to edit Master text styles</a:t>
             </a:r>
           </a:p>
           <a:p>
             <a:pPr lvl="1"/>
             <a:r>
-              <a:rPr lang="en-US" smtClean="0"/>
+              <a:rPr lang="en-US"/>
               <a:t>Second level</a:t>
             </a:r>
           </a:p>
           <a:p>
             <a:pPr lvl="2"/>
             <a:r>
-              <a:rPr lang="en-US" smtClean="0"/>
+              <a:rPr lang="en-US"/>
               <a:t>Third level</a:t>
             </a:r>
           </a:p>
           <a:p>
             <a:pPr lvl="3"/>
             <a:r>
-              <a:rPr lang="en-US" smtClean="0"/>
+              <a:rPr lang="en-US"/>
               <a:t>Fourth level</a:t>
             </a:r>
           </a:p>
           <a:p>
             <a:pPr lvl="4"/>
             <a:r>
-              <a:rPr lang="en-US" smtClean="0"/>
+              <a:rPr lang="en-US"/>
               <a:t>Fifth level</a:t>
             </a:r>
-            <a:endParaRPr lang="en-US"/>
           </a:p>
         </p:txBody>
       </p:sp>
@@ -1468,10 +1460,9 @@
           <a:lstStyle/>
           <a:p>
             <a:r>
-              <a:rPr lang="en-US" smtClean="0"/>
+              <a:rPr lang="en-US"/>
               <a:t>Click to edit Master title style</a:t>
             </a:r>
-            <a:endParaRPr lang="en-US"/>
           </a:p>
         </p:txBody>
       </p:sp>
@@ -1492,38 +1483,37 @@
           <a:p>
             <a:pPr lvl="0"/>
             <a:r>
-              <a:rPr lang="en-US" smtClean="0"/>
+              <a:rPr lang="en-US"/>
               <a:t>Click to edit Master text styles</a:t>
             </a:r>
           </a:p>
           <a:p>
             <a:pPr lvl="1"/>
             <a:r>
-              <a:rPr lang="en-US" smtClean="0"/>
+              <a:rPr lang="en-US"/>
               <a:t>Second level</a:t>
             </a:r>
           </a:p>
           <a:p>
             <a:pPr lvl="2"/>
             <a:r>
-              <a:rPr lang="en-US" smtClean="0"/>
+              <a:rPr lang="en-US"/>
               <a:t>Third level</a:t>
             </a:r>
           </a:p>
           <a:p>
             <a:pPr lvl="3"/>
             <a:r>
-              <a:rPr lang="en-US" smtClean="0"/>
+              <a:rPr lang="en-US"/>
               <a:t>Fourth level</a:t>
             </a:r>
           </a:p>
           <a:p>
             <a:pPr lvl="4"/>
             <a:r>
-              <a:rPr lang="en-US" smtClean="0"/>
+              <a:rPr lang="en-US"/>
               <a:t>Fifth level</a:t>
             </a:r>
-            <a:endParaRPr lang="en-US"/>
           </a:p>
         </p:txBody>
       </p:sp>
@@ -1551,7 +1541,7 @@
                 </a:solidFill>
               </a:rPr>
               <a:pPr/>
-              <a:t>3/8/2022</a:t>
+              <a:t>4/3/22</a:t>
             </a:fld>
             <a:endParaRPr lang="en-US">
               <a:solidFill>
@@ -1679,10 +1669,9 @@
           </a:lstStyle>
           <a:p>
             <a:r>
-              <a:rPr lang="en-US" smtClean="0"/>
+              <a:rPr lang="en-US"/>
               <a:t>Click to edit Master title style</a:t>
             </a:r>
-            <a:endParaRPr lang="en-US"/>
           </a:p>
         </p:txBody>
       </p:sp>
@@ -1799,7 +1788,7 @@
           <a:p>
             <a:pPr lvl="0"/>
             <a:r>
-              <a:rPr lang="en-US" smtClean="0"/>
+              <a:rPr lang="en-US"/>
               <a:t>Click to edit Master text styles</a:t>
             </a:r>
           </a:p>
@@ -1829,7 +1818,7 @@
                 </a:solidFill>
               </a:rPr>
               <a:pPr/>
-              <a:t>3/8/2022</a:t>
+              <a:t>4/3/22</a:t>
             </a:fld>
             <a:endParaRPr lang="en-US">
               <a:solidFill>
@@ -1948,10 +1937,9 @@
           <a:lstStyle/>
           <a:p>
             <a:r>
-              <a:rPr lang="en-US" smtClean="0"/>
+              <a:rPr lang="en-US"/>
               <a:t>Click to edit Master title style</a:t>
             </a:r>
-            <a:endParaRPr lang="en-US"/>
           </a:p>
         </p:txBody>
       </p:sp>
@@ -2005,38 +1993,37 @@
           <a:p>
             <a:pPr lvl="0"/>
             <a:r>
-              <a:rPr lang="en-US" smtClean="0"/>
+              <a:rPr lang="en-US"/>
               <a:t>Click to edit Master text styles</a:t>
             </a:r>
           </a:p>
           <a:p>
             <a:pPr lvl="1"/>
             <a:r>
-              <a:rPr lang="en-US" smtClean="0"/>
+              <a:rPr lang="en-US"/>
               <a:t>Second level</a:t>
             </a:r>
           </a:p>
           <a:p>
             <a:pPr lvl="2"/>
             <a:r>
-              <a:rPr lang="en-US" smtClean="0"/>
+              <a:rPr lang="en-US"/>
               <a:t>Third level</a:t>
             </a:r>
           </a:p>
           <a:p>
             <a:pPr lvl="3"/>
             <a:r>
-              <a:rPr lang="en-US" smtClean="0"/>
+              <a:rPr lang="en-US"/>
               <a:t>Fourth level</a:t>
             </a:r>
           </a:p>
           <a:p>
             <a:pPr lvl="4"/>
             <a:r>
-              <a:rPr lang="en-US" smtClean="0"/>
+              <a:rPr lang="en-US"/>
               <a:t>Fifth level</a:t>
             </a:r>
-            <a:endParaRPr lang="en-US"/>
           </a:p>
         </p:txBody>
       </p:sp>
@@ -2090,38 +2077,37 @@
           <a:p>
             <a:pPr lvl="0"/>
             <a:r>
-              <a:rPr lang="en-US" smtClean="0"/>
+              <a:rPr lang="en-US"/>
               <a:t>Click to edit Master text styles</a:t>
             </a:r>
           </a:p>
           <a:p>
             <a:pPr lvl="1"/>
             <a:r>
-              <a:rPr lang="en-US" smtClean="0"/>
+              <a:rPr lang="en-US"/>
               <a:t>Second level</a:t>
             </a:r>
           </a:p>
           <a:p>
             <a:pPr lvl="2"/>
             <a:r>
-              <a:rPr lang="en-US" smtClean="0"/>
+              <a:rPr lang="en-US"/>
               <a:t>Third level</a:t>
             </a:r>
           </a:p>
           <a:p>
             <a:pPr lvl="3"/>
             <a:r>
-              <a:rPr lang="en-US" smtClean="0"/>
+              <a:rPr lang="en-US"/>
               <a:t>Fourth level</a:t>
             </a:r>
           </a:p>
           <a:p>
             <a:pPr lvl="4"/>
             <a:r>
-              <a:rPr lang="en-US" smtClean="0"/>
+              <a:rPr lang="en-US"/>
               <a:t>Fifth level</a:t>
             </a:r>
-            <a:endParaRPr lang="en-US"/>
           </a:p>
         </p:txBody>
       </p:sp>
@@ -2149,7 +2135,7 @@
                 </a:solidFill>
               </a:rPr>
               <a:pPr/>
-              <a:t>3/8/2022</a:t>
+              <a:t>4/3/22</a:t>
             </a:fld>
             <a:endParaRPr lang="en-US">
               <a:solidFill>
@@ -2272,10 +2258,9 @@
           </a:lstStyle>
           <a:p>
             <a:r>
-              <a:rPr lang="en-US" smtClean="0"/>
+              <a:rPr lang="en-US"/>
               <a:t>Click to edit Master title style</a:t>
             </a:r>
-            <a:endParaRPr lang="en-US"/>
           </a:p>
         </p:txBody>
       </p:sp>
@@ -2338,7 +2323,7 @@
           <a:p>
             <a:pPr lvl="0"/>
             <a:r>
-              <a:rPr lang="en-US" smtClean="0"/>
+              <a:rPr lang="en-US"/>
               <a:t>Click to edit Master text styles</a:t>
             </a:r>
           </a:p>
@@ -2394,38 +2379,37 @@
           <a:p>
             <a:pPr lvl="0"/>
             <a:r>
-              <a:rPr lang="en-US" smtClean="0"/>
+              <a:rPr lang="en-US"/>
               <a:t>Click to edit Master text styles</a:t>
             </a:r>
           </a:p>
           <a:p>
             <a:pPr lvl="1"/>
             <a:r>
-              <a:rPr lang="en-US" smtClean="0"/>
+              <a:rPr lang="en-US"/>
               <a:t>Second level</a:t>
             </a:r>
           </a:p>
           <a:p>
             <a:pPr lvl="2"/>
             <a:r>
-              <a:rPr lang="en-US" smtClean="0"/>
+              <a:rPr lang="en-US"/>
               <a:t>Third level</a:t>
             </a:r>
           </a:p>
           <a:p>
             <a:pPr lvl="3"/>
             <a:r>
-              <a:rPr lang="en-US" smtClean="0"/>
+              <a:rPr lang="en-US"/>
               <a:t>Fourth level</a:t>
             </a:r>
           </a:p>
           <a:p>
             <a:pPr lvl="4"/>
             <a:r>
-              <a:rPr lang="en-US" smtClean="0"/>
+              <a:rPr lang="en-US"/>
               <a:t>Fifth level</a:t>
             </a:r>
-            <a:endParaRPr lang="en-US"/>
           </a:p>
         </p:txBody>
       </p:sp>
@@ -2488,7 +2472,7 @@
           <a:p>
             <a:pPr lvl="0"/>
             <a:r>
-              <a:rPr lang="en-US" smtClean="0"/>
+              <a:rPr lang="en-US"/>
               <a:t>Click to edit Master text styles</a:t>
             </a:r>
           </a:p>
@@ -2544,38 +2528,37 @@
           <a:p>
             <a:pPr lvl="0"/>
             <a:r>
-              <a:rPr lang="en-US" smtClean="0"/>
+              <a:rPr lang="en-US"/>
               <a:t>Click to edit Master text styles</a:t>
             </a:r>
           </a:p>
           <a:p>
             <a:pPr lvl="1"/>
             <a:r>
-              <a:rPr lang="en-US" smtClean="0"/>
+              <a:rPr lang="en-US"/>
               <a:t>Second level</a:t>
             </a:r>
           </a:p>
           <a:p>
             <a:pPr lvl="2"/>
             <a:r>
-              <a:rPr lang="en-US" smtClean="0"/>
+              <a:rPr lang="en-US"/>
               <a:t>Third level</a:t>
             </a:r>
           </a:p>
           <a:p>
             <a:pPr lvl="3"/>
             <a:r>
-              <a:rPr lang="en-US" smtClean="0"/>
+              <a:rPr lang="en-US"/>
               <a:t>Fourth level</a:t>
             </a:r>
           </a:p>
           <a:p>
             <a:pPr lvl="4"/>
             <a:r>
-              <a:rPr lang="en-US" smtClean="0"/>
+              <a:rPr lang="en-US"/>
               <a:t>Fifth level</a:t>
             </a:r>
-            <a:endParaRPr lang="en-US"/>
           </a:p>
         </p:txBody>
       </p:sp>
@@ -2603,7 +2586,7 @@
                 </a:solidFill>
               </a:rPr>
               <a:pPr/>
-              <a:t>3/8/2022</a:t>
+              <a:t>4/3/22</a:t>
             </a:fld>
             <a:endParaRPr lang="en-US">
               <a:solidFill>
@@ -2722,10 +2705,9 @@
           <a:lstStyle/>
           <a:p>
             <a:r>
-              <a:rPr lang="en-US" smtClean="0"/>
+              <a:rPr lang="en-US"/>
               <a:t>Click to edit Master title style</a:t>
             </a:r>
-            <a:endParaRPr lang="en-US"/>
           </a:p>
         </p:txBody>
       </p:sp>
@@ -2753,7 +2735,7 @@
                 </a:solidFill>
               </a:rPr>
               <a:pPr/>
-              <a:t>3/8/2022</a:t>
+              <a:t>4/3/22</a:t>
             </a:fld>
             <a:endParaRPr lang="en-US">
               <a:solidFill>
@@ -2880,7 +2862,7 @@
                 </a:solidFill>
               </a:rPr>
               <a:pPr/>
-              <a:t>3/8/2022</a:t>
+              <a:t>4/3/22</a:t>
             </a:fld>
             <a:endParaRPr lang="en-US">
               <a:solidFill>
@@ -3008,10 +2990,9 @@
           </a:lstStyle>
           <a:p>
             <a:r>
-              <a:rPr lang="en-US" smtClean="0"/>
+              <a:rPr lang="en-US"/>
               <a:t>Click to edit Master title style</a:t>
             </a:r>
-            <a:endParaRPr lang="en-US"/>
           </a:p>
         </p:txBody>
       </p:sp>
@@ -3065,38 +3046,37 @@
           <a:p>
             <a:pPr lvl="0"/>
             <a:r>
-              <a:rPr lang="en-US" smtClean="0"/>
+              <a:rPr lang="en-US"/>
               <a:t>Click to edit Master text styles</a:t>
             </a:r>
           </a:p>
           <a:p>
             <a:pPr lvl="1"/>
             <a:r>
-              <a:rPr lang="en-US" smtClean="0"/>
+              <a:rPr lang="en-US"/>
               <a:t>Second level</a:t>
             </a:r>
           </a:p>
           <a:p>
             <a:pPr lvl="2"/>
             <a:r>
-              <a:rPr lang="en-US" smtClean="0"/>
+              <a:rPr lang="en-US"/>
               <a:t>Third level</a:t>
             </a:r>
           </a:p>
           <a:p>
             <a:pPr lvl="3"/>
             <a:r>
-              <a:rPr lang="en-US" smtClean="0"/>
+              <a:rPr lang="en-US"/>
               <a:t>Fourth level</a:t>
             </a:r>
           </a:p>
           <a:p>
             <a:pPr lvl="4"/>
             <a:r>
-              <a:rPr lang="en-US" smtClean="0"/>
+              <a:rPr lang="en-US"/>
               <a:t>Fifth level</a:t>
             </a:r>
-            <a:endParaRPr lang="en-US"/>
           </a:p>
         </p:txBody>
       </p:sp>
@@ -3159,7 +3139,7 @@
           <a:p>
             <a:pPr lvl="0"/>
             <a:r>
-              <a:rPr lang="en-US" smtClean="0"/>
+              <a:rPr lang="en-US"/>
               <a:t>Click to edit Master text styles</a:t>
             </a:r>
           </a:p>
@@ -3189,7 +3169,7 @@
                 </a:solidFill>
               </a:rPr>
               <a:pPr/>
-              <a:t>3/8/2022</a:t>
+              <a:t>4/3/22</a:t>
             </a:fld>
             <a:endParaRPr lang="en-US">
               <a:solidFill>
@@ -3317,10 +3297,9 @@
           </a:lstStyle>
           <a:p>
             <a:r>
-              <a:rPr lang="en-US" smtClean="0"/>
+              <a:rPr lang="en-US"/>
               <a:t>Click to edit Master title style</a:t>
             </a:r>
-            <a:endParaRPr lang="en-US"/>
           </a:p>
         </p:txBody>
       </p:sp>
@@ -3444,7 +3423,7 @@
           <a:p>
             <a:pPr lvl="0"/>
             <a:r>
-              <a:rPr lang="en-US" smtClean="0"/>
+              <a:rPr lang="en-US"/>
               <a:t>Click to edit Master text styles</a:t>
             </a:r>
           </a:p>
@@ -3474,7 +3453,7 @@
                 </a:solidFill>
               </a:rPr>
               <a:pPr/>
-              <a:t>3/8/2022</a:t>
+              <a:t>4/3/22</a:t>
             </a:fld>
             <a:endParaRPr lang="en-US">
               <a:solidFill>
@@ -3608,10 +3587,9 @@
           <a:lstStyle/>
           <a:p>
             <a:r>
-              <a:rPr lang="en-US" smtClean="0"/>
+              <a:rPr lang="en-US"/>
               <a:t>Click to edit Master title style</a:t>
             </a:r>
-            <a:endParaRPr lang="en-US"/>
           </a:p>
         </p:txBody>
       </p:sp>
@@ -3642,38 +3620,37 @@
           <a:p>
             <a:pPr lvl="0"/>
             <a:r>
-              <a:rPr lang="en-US" smtClean="0"/>
+              <a:rPr lang="en-US"/>
               <a:t>Click to edit Master text styles</a:t>
             </a:r>
           </a:p>
           <a:p>
             <a:pPr lvl="1"/>
             <a:r>
-              <a:rPr lang="en-US" smtClean="0"/>
+              <a:rPr lang="en-US"/>
               <a:t>Second level</a:t>
             </a:r>
           </a:p>
           <a:p>
             <a:pPr lvl="2"/>
             <a:r>
-              <a:rPr lang="en-US" smtClean="0"/>
+              <a:rPr lang="en-US"/>
               <a:t>Third level</a:t>
             </a:r>
           </a:p>
           <a:p>
             <a:pPr lvl="3"/>
             <a:r>
-              <a:rPr lang="en-US" smtClean="0"/>
+              <a:rPr lang="en-US"/>
               <a:t>Fourth level</a:t>
             </a:r>
           </a:p>
           <a:p>
             <a:pPr lvl="4"/>
             <a:r>
-              <a:rPr lang="en-US" smtClean="0"/>
+              <a:rPr lang="en-US"/>
               <a:t>Fifth level</a:t>
             </a:r>
-            <a:endParaRPr lang="en-US"/>
           </a:p>
         </p:txBody>
       </p:sp>
@@ -3719,7 +3696,7 @@
                 </a:solidFill>
               </a:rPr>
               <a:pPr/>
-              <a:t>3/8/2022</a:t>
+              <a:t>4/3/22</a:t>
             </a:fld>
             <a:endParaRPr lang="en-US">
               <a:solidFill>
@@ -4136,10 +4113,9 @@
           <a:lstStyle/>
           <a:p>
             <a:r>
-              <a:rPr lang="en-IN" dirty="0" smtClean="0"/>
+              <a:rPr lang="en-IN" dirty="0"/>
               <a:t>DBSCAN Clustering</a:t>
             </a:r>
-            <a:endParaRPr lang="en-IN" dirty="0"/>
           </a:p>
         </p:txBody>
       </p:sp>
@@ -4206,13 +4182,6 @@
   <p:clrMapOvr>
     <a:masterClrMapping/>
   </p:clrMapOvr>
-  <p:timing>
-    <p:tnLst>
-      <p:par>
-        <p:cTn id="1" dur="indefinite" restart="never" nodeType="tmRoot"/>
-      </p:par>
-    </p:tnLst>
-  </p:timing>
 </p:sld>
 </file>
 
@@ -4305,13 +4274,6 @@
   <p:clrMapOvr>
     <a:masterClrMapping/>
   </p:clrMapOvr>
-  <p:timing>
-    <p:tnLst>
-      <p:par>
-        <p:cTn id="1" dur="indefinite" restart="never" nodeType="tmRoot"/>
-      </p:par>
-    </p:tnLst>
-  </p:timing>
 </p:sld>
 </file>
 
@@ -4404,13 +4366,6 @@
   <p:clrMapOvr>
     <a:masterClrMapping/>
   </p:clrMapOvr>
-  <p:timing>
-    <p:tnLst>
-      <p:par>
-        <p:cTn id="1" dur="indefinite" restart="never" nodeType="tmRoot"/>
-      </p:par>
-    </p:tnLst>
-  </p:timing>
 </p:sld>
 </file>
 
@@ -4503,13 +4458,6 @@
   <p:clrMapOvr>
     <a:masterClrMapping/>
   </p:clrMapOvr>
-  <p:timing>
-    <p:tnLst>
-      <p:par>
-        <p:cTn id="1" dur="indefinite" restart="never" nodeType="tmRoot"/>
-      </p:par>
-    </p:tnLst>
-  </p:timing>
 </p:sld>
 </file>
 
@@ -4602,13 +4550,6 @@
   <p:clrMapOvr>
     <a:masterClrMapping/>
   </p:clrMapOvr>
-  <p:timing>
-    <p:tnLst>
-      <p:par>
-        <p:cTn id="1" dur="indefinite" restart="never" nodeType="tmRoot"/>
-      </p:par>
-    </p:tnLst>
-  </p:timing>
 </p:sld>
 </file>
 
@@ -4701,13 +4642,6 @@
   <p:clrMapOvr>
     <a:masterClrMapping/>
   </p:clrMapOvr>
-  <p:timing>
-    <p:tnLst>
-      <p:par>
-        <p:cTn id="1" dur="indefinite" restart="never" nodeType="tmRoot"/>
-      </p:par>
-    </p:tnLst>
-  </p:timing>
 </p:sld>
 </file>
 
@@ -4749,14 +4683,13 @@
           <a:lstStyle/>
           <a:p>
             <a:r>
-              <a:rPr lang="en-IN" dirty="0" err="1" smtClean="0"/>
+              <a:rPr lang="en-IN" dirty="0" err="1"/>
               <a:t>DBScan</a:t>
             </a:r>
             <a:r>
-              <a:rPr lang="en-IN" dirty="0" smtClean="0"/>
+              <a:rPr lang="en-IN" dirty="0"/>
               <a:t> Example</a:t>
             </a:r>
-            <a:endParaRPr lang="en-IN" dirty="0"/>
           </a:p>
         </p:txBody>
       </p:sp>
@@ -4813,13 +4746,6 @@
   <p:clrMapOvr>
     <a:masterClrMapping/>
   </p:clrMapOvr>
-  <p:timing>
-    <p:tnLst>
-      <p:par>
-        <p:cTn id="1" dur="indefinite" restart="never" nodeType="tmRoot"/>
-      </p:par>
-    </p:tnLst>
-  </p:timing>
 </p:sld>
 </file>
 
@@ -4912,13 +4838,6 @@
   <p:clrMapOvr>
     <a:masterClrMapping/>
   </p:clrMapOvr>
-  <p:timing>
-    <p:tnLst>
-      <p:par>
-        <p:cTn id="1" dur="indefinite" restart="never" nodeType="tmRoot"/>
-      </p:par>
-    </p:tnLst>
-  </p:timing>
 </p:sld>
 </file>
 
@@ -5011,13 +4930,6 @@
   <p:clrMapOvr>
     <a:masterClrMapping/>
   </p:clrMapOvr>
-  <p:timing>
-    <p:tnLst>
-      <p:par>
-        <p:cTn id="1" dur="indefinite" restart="never" nodeType="tmRoot"/>
-      </p:par>
-    </p:tnLst>
-  </p:timing>
 </p:sld>
 </file>
 
@@ -5110,13 +5022,6 @@
   <p:clrMapOvr>
     <a:masterClrMapping/>
   </p:clrMapOvr>
-  <p:timing>
-    <p:tnLst>
-      <p:par>
-        <p:cTn id="1" dur="indefinite" restart="never" nodeType="tmRoot"/>
-      </p:par>
-    </p:tnLst>
-  </p:timing>
 </p:sld>
 </file>
 
@@ -5209,13 +5114,6 @@
   <p:clrMapOvr>
     <a:masterClrMapping/>
   </p:clrMapOvr>
-  <p:timing>
-    <p:tnLst>
-      <p:par>
-        <p:cTn id="1" dur="indefinite" restart="never" nodeType="tmRoot"/>
-      </p:par>
-    </p:tnLst>
-  </p:timing>
 </p:sld>
 </file>
 
@@ -5257,10 +5155,9 @@
           <a:lstStyle/>
           <a:p>
             <a:r>
-              <a:rPr lang="en-IN" dirty="0" smtClean="0"/>
+              <a:rPr lang="en-IN" dirty="0"/>
               <a:t>Two Parameters</a:t>
             </a:r>
-            <a:endParaRPr lang="en-IN" dirty="0"/>
           </a:p>
         </p:txBody>
       </p:sp>
@@ -5365,13 +5262,6 @@
   <p:clrMapOvr>
     <a:masterClrMapping/>
   </p:clrMapOvr>
-  <p:timing>
-    <p:tnLst>
-      <p:par>
-        <p:cTn id="1" dur="indefinite" restart="never" nodeType="tmRoot"/>
-      </p:par>
-    </p:tnLst>
-  </p:timing>
 </p:sld>
 </file>
 
@@ -5464,13 +5354,6 @@
   <p:clrMapOvr>
     <a:masterClrMapping/>
   </p:clrMapOvr>
-  <p:timing>
-    <p:tnLst>
-      <p:par>
-        <p:cTn id="1" dur="indefinite" restart="never" nodeType="tmRoot"/>
-      </p:par>
-    </p:tnLst>
-  </p:timing>
 </p:sld>
 </file>
 
@@ -5563,13 +5446,6 @@
   <p:clrMapOvr>
     <a:masterClrMapping/>
   </p:clrMapOvr>
-  <p:timing>
-    <p:tnLst>
-      <p:par>
-        <p:cTn id="1" dur="indefinite" restart="never" nodeType="tmRoot"/>
-      </p:par>
-    </p:tnLst>
-  </p:timing>
 </p:sld>
 </file>
 
@@ -5662,13 +5538,6 @@
   <p:clrMapOvr>
     <a:masterClrMapping/>
   </p:clrMapOvr>
-  <p:timing>
-    <p:tnLst>
-      <p:par>
-        <p:cTn id="1" dur="indefinite" restart="never" nodeType="tmRoot"/>
-      </p:par>
-    </p:tnLst>
-  </p:timing>
 </p:sld>
 </file>
 
@@ -5761,13 +5630,6 @@
   <p:clrMapOvr>
     <a:masterClrMapping/>
   </p:clrMapOvr>
-  <p:timing>
-    <p:tnLst>
-      <p:par>
-        <p:cTn id="1" dur="indefinite" restart="never" nodeType="tmRoot"/>
-      </p:par>
-    </p:tnLst>
-  </p:timing>
 </p:sld>
 </file>
 
@@ -5860,13 +5722,6 @@
   <p:clrMapOvr>
     <a:masterClrMapping/>
   </p:clrMapOvr>
-  <p:timing>
-    <p:tnLst>
-      <p:par>
-        <p:cTn id="1" dur="indefinite" restart="never" nodeType="tmRoot"/>
-      </p:par>
-    </p:tnLst>
-  </p:timing>
 </p:sld>
 </file>
 

--- a/CSI3010 Data Warehousing Data Mining/reference materials/module-5 cluster analysis and outlier analysis/19_DBScan Clustering.pptx
+++ b/CSI3010 Data Warehousing Data Mining/reference materials/module-5 cluster analysis and outlier analysis/19_DBScan Clustering.pptx
@@ -224,7 +224,7 @@
           <a:p>
             <a:fld id="{AA4BDA8C-820C-459C-9AC3-513B5DFE5A4F}" type="datetimeFigureOut">
               <a:rPr lang="en-IN" smtClean="0"/>
-              <a:t>03/04/22</a:t>
+              <a:t>15/05/22</a:t>
             </a:fld>
             <a:endParaRPr lang="en-IN"/>
           </a:p>
@@ -678,7 +678,7 @@
                 </a:solidFill>
               </a:rPr>
               <a:pPr/>
-              <a:t>4/3/22</a:t>
+              <a:t>5/15/22</a:t>
             </a:fld>
             <a:endParaRPr lang="en-US">
               <a:solidFill>
@@ -878,7 +878,7 @@
                 </a:solidFill>
               </a:rPr>
               <a:pPr/>
-              <a:t>4/3/22</a:t>
+              <a:t>5/15/22</a:t>
             </a:fld>
             <a:endParaRPr lang="en-US">
               <a:solidFill>
@@ -1088,7 +1088,7 @@
                 </a:solidFill>
               </a:rPr>
               <a:pPr/>
-              <a:t>4/3/22</a:t>
+              <a:t>5/15/22</a:t>
             </a:fld>
             <a:endParaRPr lang="en-US">
               <a:solidFill>
@@ -1541,7 +1541,7 @@
                 </a:solidFill>
               </a:rPr>
               <a:pPr/>
-              <a:t>4/3/22</a:t>
+              <a:t>5/15/22</a:t>
             </a:fld>
             <a:endParaRPr lang="en-US">
               <a:solidFill>
@@ -1818,7 +1818,7 @@
                 </a:solidFill>
               </a:rPr>
               <a:pPr/>
-              <a:t>4/3/22</a:t>
+              <a:t>5/15/22</a:t>
             </a:fld>
             <a:endParaRPr lang="en-US">
               <a:solidFill>
@@ -2135,7 +2135,7 @@
                 </a:solidFill>
               </a:rPr>
               <a:pPr/>
-              <a:t>4/3/22</a:t>
+              <a:t>5/15/22</a:t>
             </a:fld>
             <a:endParaRPr lang="en-US">
               <a:solidFill>
@@ -2586,7 +2586,7 @@
                 </a:solidFill>
               </a:rPr>
               <a:pPr/>
-              <a:t>4/3/22</a:t>
+              <a:t>5/15/22</a:t>
             </a:fld>
             <a:endParaRPr lang="en-US">
               <a:solidFill>
@@ -2735,7 +2735,7 @@
                 </a:solidFill>
               </a:rPr>
               <a:pPr/>
-              <a:t>4/3/22</a:t>
+              <a:t>5/15/22</a:t>
             </a:fld>
             <a:endParaRPr lang="en-US">
               <a:solidFill>
@@ -2862,7 +2862,7 @@
                 </a:solidFill>
               </a:rPr>
               <a:pPr/>
-              <a:t>4/3/22</a:t>
+              <a:t>5/15/22</a:t>
             </a:fld>
             <a:endParaRPr lang="en-US">
               <a:solidFill>
@@ -3169,7 +3169,7 @@
                 </a:solidFill>
               </a:rPr>
               <a:pPr/>
-              <a:t>4/3/22</a:t>
+              <a:t>5/15/22</a:t>
             </a:fld>
             <a:endParaRPr lang="en-US">
               <a:solidFill>
@@ -3453,7 +3453,7 @@
                 </a:solidFill>
               </a:rPr>
               <a:pPr/>
-              <a:t>4/3/22</a:t>
+              <a:t>5/15/22</a:t>
             </a:fld>
             <a:endParaRPr lang="en-US">
               <a:solidFill>
@@ -3696,7 +3696,7 @@
                 </a:solidFill>
               </a:rPr>
               <a:pPr/>
-              <a:t>4/3/22</a:t>
+              <a:t>5/15/22</a:t>
             </a:fld>
             <a:endParaRPr lang="en-US">
               <a:solidFill>
@@ -5161,25 +5161,6 @@
           </a:p>
         </p:txBody>
       </p:sp>
-      <p:sp>
-        <p:nvSpPr>
-          <p:cNvPr id="3" name="Content Placeholder 2"/>
-          <p:cNvSpPr>
-            <a:spLocks noGrp="1"/>
-          </p:cNvSpPr>
-          <p:nvPr>
-            <p:ph idx="1"/>
-          </p:nvPr>
-        </p:nvSpPr>
-        <p:spPr/>
-        <p:txBody>
-          <a:bodyPr/>
-          <a:lstStyle/>
-          <a:p>
-            <a:endParaRPr lang="en-IN" dirty="0"/>
-          </a:p>
-        </p:txBody>
-      </p:sp>
       <p:pic>
         <p:nvPicPr>
           <p:cNvPr id="5" name="Picture 4"/>
@@ -5290,25 +5271,6 @@
           </p:cNvSpPr>
           <p:nvPr>
             <p:ph type="title"/>
-          </p:nvPr>
-        </p:nvSpPr>
-        <p:spPr/>
-        <p:txBody>
-          <a:bodyPr/>
-          <a:lstStyle/>
-          <a:p>
-            <a:endParaRPr lang="en-IN"/>
-          </a:p>
-        </p:txBody>
-      </p:sp>
-      <p:sp>
-        <p:nvSpPr>
-          <p:cNvPr id="3" name="Content Placeholder 2"/>
-          <p:cNvSpPr>
-            <a:spLocks noGrp="1"/>
-          </p:cNvSpPr>
-          <p:nvPr>
-            <p:ph idx="1"/>
           </p:nvPr>
         </p:nvSpPr>
         <p:spPr/>
